--- a/Day1-Rplots.pptx
+++ b/Day1-Rplots.pptx
@@ -123,6 +123,9 @@
   <p:extLst>
     <p:ext uri="{EFAFB233-063F-42B5-8137-9DF3F51BA10A}">
       <p15:sldGuideLst xmlns:p15="http://schemas.microsoft.com/office/powerpoint/2012/main"/>
+    </p:ext>
+    <p:ext uri="{2D200454-40CA-4A62-9FC3-DE9A4176ACB9}">
+      <p15:notesGuideLst xmlns:p15="http://schemas.microsoft.com/office/powerpoint/2012/main"/>
     </p:ext>
   </p:extLst>
 </p:presentation>
